--- a/java/上課/20210225.pptx
+++ b/java/上課/20210225.pptx
@@ -297,7 +297,7 @@
           <a:p>
             <a:fld id="{724D7BEC-35A4-4B8C-9548-59D069ED8F35}" type="datetimeFigureOut">
               <a:rPr lang="zh-TW" altLang="en-US" smtClean="0"/>
-              <a:t>2021/2/25</a:t>
+              <a:t>2021/3/3</a:t>
             </a:fld>
             <a:endParaRPr lang="zh-TW" altLang="en-US"/>
           </a:p>
@@ -467,7 +467,7 @@
           <a:p>
             <a:fld id="{724D7BEC-35A4-4B8C-9548-59D069ED8F35}" type="datetimeFigureOut">
               <a:rPr lang="zh-TW" altLang="en-US" smtClean="0"/>
-              <a:t>2021/2/25</a:t>
+              <a:t>2021/3/3</a:t>
             </a:fld>
             <a:endParaRPr lang="zh-TW" altLang="en-US"/>
           </a:p>
@@ -647,7 +647,7 @@
           <a:p>
             <a:fld id="{724D7BEC-35A4-4B8C-9548-59D069ED8F35}" type="datetimeFigureOut">
               <a:rPr lang="zh-TW" altLang="en-US" smtClean="0"/>
-              <a:t>2021/2/25</a:t>
+              <a:t>2021/3/3</a:t>
             </a:fld>
             <a:endParaRPr lang="zh-TW" altLang="en-US"/>
           </a:p>
@@ -817,7 +817,7 @@
           <a:p>
             <a:fld id="{724D7BEC-35A4-4B8C-9548-59D069ED8F35}" type="datetimeFigureOut">
               <a:rPr lang="zh-TW" altLang="en-US" smtClean="0"/>
-              <a:t>2021/2/25</a:t>
+              <a:t>2021/3/3</a:t>
             </a:fld>
             <a:endParaRPr lang="zh-TW" altLang="en-US"/>
           </a:p>
@@ -1063,7 +1063,7 @@
           <a:p>
             <a:fld id="{724D7BEC-35A4-4B8C-9548-59D069ED8F35}" type="datetimeFigureOut">
               <a:rPr lang="zh-TW" altLang="en-US" smtClean="0"/>
-              <a:t>2021/2/25</a:t>
+              <a:t>2021/3/3</a:t>
             </a:fld>
             <a:endParaRPr lang="zh-TW" altLang="en-US"/>
           </a:p>
@@ -1351,7 +1351,7 @@
           <a:p>
             <a:fld id="{724D7BEC-35A4-4B8C-9548-59D069ED8F35}" type="datetimeFigureOut">
               <a:rPr lang="zh-TW" altLang="en-US" smtClean="0"/>
-              <a:t>2021/2/25</a:t>
+              <a:t>2021/3/3</a:t>
             </a:fld>
             <a:endParaRPr lang="zh-TW" altLang="en-US"/>
           </a:p>
@@ -1773,7 +1773,7 @@
           <a:p>
             <a:fld id="{724D7BEC-35A4-4B8C-9548-59D069ED8F35}" type="datetimeFigureOut">
               <a:rPr lang="zh-TW" altLang="en-US" smtClean="0"/>
-              <a:t>2021/2/25</a:t>
+              <a:t>2021/3/3</a:t>
             </a:fld>
             <a:endParaRPr lang="zh-TW" altLang="en-US"/>
           </a:p>
@@ -1891,7 +1891,7 @@
           <a:p>
             <a:fld id="{724D7BEC-35A4-4B8C-9548-59D069ED8F35}" type="datetimeFigureOut">
               <a:rPr lang="zh-TW" altLang="en-US" smtClean="0"/>
-              <a:t>2021/2/25</a:t>
+              <a:t>2021/3/3</a:t>
             </a:fld>
             <a:endParaRPr lang="zh-TW" altLang="en-US"/>
           </a:p>
@@ -1986,7 +1986,7 @@
           <a:p>
             <a:fld id="{724D7BEC-35A4-4B8C-9548-59D069ED8F35}" type="datetimeFigureOut">
               <a:rPr lang="zh-TW" altLang="en-US" smtClean="0"/>
-              <a:t>2021/2/25</a:t>
+              <a:t>2021/3/3</a:t>
             </a:fld>
             <a:endParaRPr lang="zh-TW" altLang="en-US"/>
           </a:p>
@@ -2263,7 +2263,7 @@
           <a:p>
             <a:fld id="{724D7BEC-35A4-4B8C-9548-59D069ED8F35}" type="datetimeFigureOut">
               <a:rPr lang="zh-TW" altLang="en-US" smtClean="0"/>
-              <a:t>2021/2/25</a:t>
+              <a:t>2021/3/3</a:t>
             </a:fld>
             <a:endParaRPr lang="zh-TW" altLang="en-US"/>
           </a:p>
@@ -2516,7 +2516,7 @@
           <a:p>
             <a:fld id="{724D7BEC-35A4-4B8C-9548-59D069ED8F35}" type="datetimeFigureOut">
               <a:rPr lang="zh-TW" altLang="en-US" smtClean="0"/>
-              <a:t>2021/2/25</a:t>
+              <a:t>2021/3/3</a:t>
             </a:fld>
             <a:endParaRPr lang="zh-TW" altLang="en-US"/>
           </a:p>
@@ -2729,7 +2729,7 @@
           <a:p>
             <a:fld id="{724D7BEC-35A4-4B8C-9548-59D069ED8F35}" type="datetimeFigureOut">
               <a:rPr lang="zh-TW" altLang="en-US" smtClean="0"/>
-              <a:t>2021/2/25</a:t>
+              <a:t>2021/3/3</a:t>
             </a:fld>
             <a:endParaRPr lang="zh-TW" altLang="en-US"/>
           </a:p>
@@ -3119,7 +3119,11 @@
           <a:bodyPr/>
           <a:lstStyle/>
           <a:p>
-            <a:endParaRPr lang="zh-TW" altLang="en-US"/>
+            <a:r>
+              <a:rPr lang="en-US" altLang="zh-TW" dirty="0" smtClean="0"/>
+              <a:t>JAVA</a:t>
+            </a:r>
+            <a:endParaRPr lang="zh-TW" altLang="en-US" dirty="0"/>
           </a:p>
         </p:txBody>
       </p:sp>
@@ -3138,6 +3142,10 @@
           <a:bodyPr/>
           <a:lstStyle/>
           <a:p>
+            <a:r>
+              <a:rPr lang="en-US" altLang="zh-TW" smtClean="0"/>
+              <a:t>20210225</a:t>
+            </a:r>
             <a:endParaRPr lang="zh-TW" altLang="en-US"/>
           </a:p>
         </p:txBody>
